--- a/ppt 16-9/1522.爱的雕琢.pptx
+++ b/ppt 16-9/1522.爱的雕琢.pptx
@@ -129,7 +129,7 @@
           <p:cNvPr id="2" name="标题 1">
             <a:extLst>
               <a:ext uri="{FF2B5EF4-FFF2-40B4-BE49-F238E27FC236}">
-                <a16:creationId xmlns:a16="http://schemas.microsoft.com/office/drawing/2014/main" id="{7581791E-C53A-8C43-0AF5-08D16AB98130}"/>
+                <a16:creationId xmlns:a16="http://schemas.microsoft.com/office/drawing/2014/main" id="{EA3F9D36-88A9-3402-09C4-6FA403983A12}"/>
               </a:ext>
             </a:extLst>
           </p:cNvPr>
@@ -166,7 +166,7 @@
           <p:cNvPr id="3" name="副标题 2">
             <a:extLst>
               <a:ext uri="{FF2B5EF4-FFF2-40B4-BE49-F238E27FC236}">
-                <a16:creationId xmlns:a16="http://schemas.microsoft.com/office/drawing/2014/main" id="{F1A318EF-A887-C674-EFD0-B29AD4153E42}"/>
+                <a16:creationId xmlns:a16="http://schemas.microsoft.com/office/drawing/2014/main" id="{491F97F3-B179-72D5-BDD5-AAB6ACA3E86F}"/>
               </a:ext>
             </a:extLst>
           </p:cNvPr>
@@ -236,7 +236,7 @@
           <p:cNvPr id="4" name="日期占位符 3">
             <a:extLst>
               <a:ext uri="{FF2B5EF4-FFF2-40B4-BE49-F238E27FC236}">
-                <a16:creationId xmlns:a16="http://schemas.microsoft.com/office/drawing/2014/main" id="{2C99E0B3-C002-5CD9-E059-6D34662B5323}"/>
+                <a16:creationId xmlns:a16="http://schemas.microsoft.com/office/drawing/2014/main" id="{36A0AA00-7B74-8673-9280-B177831BDF41}"/>
               </a:ext>
             </a:extLst>
           </p:cNvPr>
@@ -252,7 +252,7 @@
           <a:bodyPr/>
           <a:lstStyle/>
           <a:p>
-            <a:fld id="{A21CAFFE-2DC6-408C-9EFE-2B0120F7F3B4}" type="datetimeFigureOut">
+            <a:fld id="{C6FD0C8A-B932-4E74-B34B-A7361F3E5D33}" type="datetimeFigureOut">
               <a:rPr lang="zh-CN" altLang="en-US" smtClean="0"/>
               <a:t>2024/3/10</a:t>
             </a:fld>
@@ -265,7 +265,7 @@
           <p:cNvPr id="5" name="页脚占位符 4">
             <a:extLst>
               <a:ext uri="{FF2B5EF4-FFF2-40B4-BE49-F238E27FC236}">
-                <a16:creationId xmlns:a16="http://schemas.microsoft.com/office/drawing/2014/main" id="{82AF921B-8745-E72D-0F07-C53429E6200A}"/>
+                <a16:creationId xmlns:a16="http://schemas.microsoft.com/office/drawing/2014/main" id="{0B100690-B54A-3031-6B41-CC27E6994775}"/>
               </a:ext>
             </a:extLst>
           </p:cNvPr>
@@ -290,7 +290,7 @@
           <p:cNvPr id="6" name="灯片编号占位符 5">
             <a:extLst>
               <a:ext uri="{FF2B5EF4-FFF2-40B4-BE49-F238E27FC236}">
-                <a16:creationId xmlns:a16="http://schemas.microsoft.com/office/drawing/2014/main" id="{A97829F7-8917-53FC-54D0-6B4BCF1CB08F}"/>
+                <a16:creationId xmlns:a16="http://schemas.microsoft.com/office/drawing/2014/main" id="{788E601F-CBCB-0BD6-B043-D452B1AF1F75}"/>
               </a:ext>
             </a:extLst>
           </p:cNvPr>
@@ -306,7 +306,7 @@
           <a:bodyPr/>
           <a:lstStyle/>
           <a:p>
-            <a:fld id="{6F5FA6D0-F2DA-4B3F-9CB7-1421E199F4A7}" type="slidenum">
+            <a:fld id="{70D174D5-D893-40F9-BB37-9057F6FB5605}" type="slidenum">
               <a:rPr lang="zh-CN" altLang="en-US" smtClean="0"/>
               <a:t>‹#›</a:t>
             </a:fld>
@@ -317,7 +317,7 @@
     </p:spTree>
     <p:extLst>
       <p:ext uri="{BB962C8B-B14F-4D97-AF65-F5344CB8AC3E}">
-        <p14:creationId xmlns:p14="http://schemas.microsoft.com/office/powerpoint/2010/main" val="1455606836"/>
+        <p14:creationId xmlns:p14="http://schemas.microsoft.com/office/powerpoint/2010/main" val="2251751901"/>
       </p:ext>
     </p:extLst>
   </p:cSld>
@@ -349,7 +349,7 @@
           <p:cNvPr id="2" name="标题 1">
             <a:extLst>
               <a:ext uri="{FF2B5EF4-FFF2-40B4-BE49-F238E27FC236}">
-                <a16:creationId xmlns:a16="http://schemas.microsoft.com/office/drawing/2014/main" id="{807A289E-47EB-8EE8-3B21-453AE6E34C57}"/>
+                <a16:creationId xmlns:a16="http://schemas.microsoft.com/office/drawing/2014/main" id="{3D74AF5F-40A6-9F9B-82F8-D563C6208FDE}"/>
               </a:ext>
             </a:extLst>
           </p:cNvPr>
@@ -377,7 +377,7 @@
           <p:cNvPr id="3" name="竖排文字占位符 2">
             <a:extLst>
               <a:ext uri="{FF2B5EF4-FFF2-40B4-BE49-F238E27FC236}">
-                <a16:creationId xmlns:a16="http://schemas.microsoft.com/office/drawing/2014/main" id="{DE640398-6555-4BF3-6718-5A00C0AE1CED}"/>
+                <a16:creationId xmlns:a16="http://schemas.microsoft.com/office/drawing/2014/main" id="{2D626436-96E2-C1BC-23D1-B1B520545B50}"/>
               </a:ext>
             </a:extLst>
           </p:cNvPr>
@@ -434,7 +434,7 @@
           <p:cNvPr id="4" name="日期占位符 3">
             <a:extLst>
               <a:ext uri="{FF2B5EF4-FFF2-40B4-BE49-F238E27FC236}">
-                <a16:creationId xmlns:a16="http://schemas.microsoft.com/office/drawing/2014/main" id="{F7976AA0-E746-A21C-18BD-7A7903F57AD7}"/>
+                <a16:creationId xmlns:a16="http://schemas.microsoft.com/office/drawing/2014/main" id="{02B1059B-40E8-1082-17F2-BC31F1814C4A}"/>
               </a:ext>
             </a:extLst>
           </p:cNvPr>
@@ -450,7 +450,7 @@
           <a:bodyPr/>
           <a:lstStyle/>
           <a:p>
-            <a:fld id="{A21CAFFE-2DC6-408C-9EFE-2B0120F7F3B4}" type="datetimeFigureOut">
+            <a:fld id="{C6FD0C8A-B932-4E74-B34B-A7361F3E5D33}" type="datetimeFigureOut">
               <a:rPr lang="zh-CN" altLang="en-US" smtClean="0"/>
               <a:t>2024/3/10</a:t>
             </a:fld>
@@ -463,7 +463,7 @@
           <p:cNvPr id="5" name="页脚占位符 4">
             <a:extLst>
               <a:ext uri="{FF2B5EF4-FFF2-40B4-BE49-F238E27FC236}">
-                <a16:creationId xmlns:a16="http://schemas.microsoft.com/office/drawing/2014/main" id="{772BC32C-A94B-571B-F9BE-4E4E58B6832D}"/>
+                <a16:creationId xmlns:a16="http://schemas.microsoft.com/office/drawing/2014/main" id="{26FE6B41-E7E4-1BDB-D7E9-B50C264954BF}"/>
               </a:ext>
             </a:extLst>
           </p:cNvPr>
@@ -488,7 +488,7 @@
           <p:cNvPr id="6" name="灯片编号占位符 5">
             <a:extLst>
               <a:ext uri="{FF2B5EF4-FFF2-40B4-BE49-F238E27FC236}">
-                <a16:creationId xmlns:a16="http://schemas.microsoft.com/office/drawing/2014/main" id="{D24745CF-2E36-9A62-ADFF-59E0088D9022}"/>
+                <a16:creationId xmlns:a16="http://schemas.microsoft.com/office/drawing/2014/main" id="{C994EE75-6F16-87B9-1AE1-F1FBDD11FA15}"/>
               </a:ext>
             </a:extLst>
           </p:cNvPr>
@@ -504,7 +504,7 @@
           <a:bodyPr/>
           <a:lstStyle/>
           <a:p>
-            <a:fld id="{6F5FA6D0-F2DA-4B3F-9CB7-1421E199F4A7}" type="slidenum">
+            <a:fld id="{70D174D5-D893-40F9-BB37-9057F6FB5605}" type="slidenum">
               <a:rPr lang="zh-CN" altLang="en-US" smtClean="0"/>
               <a:t>‹#›</a:t>
             </a:fld>
@@ -515,7 +515,7 @@
     </p:spTree>
     <p:extLst>
       <p:ext uri="{BB962C8B-B14F-4D97-AF65-F5344CB8AC3E}">
-        <p14:creationId xmlns:p14="http://schemas.microsoft.com/office/powerpoint/2010/main" val="798044476"/>
+        <p14:creationId xmlns:p14="http://schemas.microsoft.com/office/powerpoint/2010/main" val="2942850631"/>
       </p:ext>
     </p:extLst>
   </p:cSld>
@@ -547,7 +547,7 @@
           <p:cNvPr id="2" name="竖排标题 1">
             <a:extLst>
               <a:ext uri="{FF2B5EF4-FFF2-40B4-BE49-F238E27FC236}">
-                <a16:creationId xmlns:a16="http://schemas.microsoft.com/office/drawing/2014/main" id="{BAF63237-6685-7824-5FF2-3A7F645E2C2E}"/>
+                <a16:creationId xmlns:a16="http://schemas.microsoft.com/office/drawing/2014/main" id="{6A77D55E-B5EA-38BD-FD0E-AAF1581CAAA3}"/>
               </a:ext>
             </a:extLst>
           </p:cNvPr>
@@ -580,7 +580,7 @@
           <p:cNvPr id="3" name="竖排文字占位符 2">
             <a:extLst>
               <a:ext uri="{FF2B5EF4-FFF2-40B4-BE49-F238E27FC236}">
-                <a16:creationId xmlns:a16="http://schemas.microsoft.com/office/drawing/2014/main" id="{27AABCB2-6B3C-3B00-B6D8-D65BB067FA3C}"/>
+                <a16:creationId xmlns:a16="http://schemas.microsoft.com/office/drawing/2014/main" id="{BA16BB89-EA83-48E7-41B0-CD6753A9A1FC}"/>
               </a:ext>
             </a:extLst>
           </p:cNvPr>
@@ -642,7 +642,7 @@
           <p:cNvPr id="4" name="日期占位符 3">
             <a:extLst>
               <a:ext uri="{FF2B5EF4-FFF2-40B4-BE49-F238E27FC236}">
-                <a16:creationId xmlns:a16="http://schemas.microsoft.com/office/drawing/2014/main" id="{F7AC5439-CA77-227C-E989-F3A050779C5D}"/>
+                <a16:creationId xmlns:a16="http://schemas.microsoft.com/office/drawing/2014/main" id="{2D87E2FE-D392-F6BF-1164-B56C3F20FD5F}"/>
               </a:ext>
             </a:extLst>
           </p:cNvPr>
@@ -658,7 +658,7 @@
           <a:bodyPr/>
           <a:lstStyle/>
           <a:p>
-            <a:fld id="{A21CAFFE-2DC6-408C-9EFE-2B0120F7F3B4}" type="datetimeFigureOut">
+            <a:fld id="{C6FD0C8A-B932-4E74-B34B-A7361F3E5D33}" type="datetimeFigureOut">
               <a:rPr lang="zh-CN" altLang="en-US" smtClean="0"/>
               <a:t>2024/3/10</a:t>
             </a:fld>
@@ -671,7 +671,7 @@
           <p:cNvPr id="5" name="页脚占位符 4">
             <a:extLst>
               <a:ext uri="{FF2B5EF4-FFF2-40B4-BE49-F238E27FC236}">
-                <a16:creationId xmlns:a16="http://schemas.microsoft.com/office/drawing/2014/main" id="{E254E1F9-704F-47E6-A343-960AA098523C}"/>
+                <a16:creationId xmlns:a16="http://schemas.microsoft.com/office/drawing/2014/main" id="{42F129C9-D970-7836-397E-FB513B33D6D1}"/>
               </a:ext>
             </a:extLst>
           </p:cNvPr>
@@ -696,7 +696,7 @@
           <p:cNvPr id="6" name="灯片编号占位符 5">
             <a:extLst>
               <a:ext uri="{FF2B5EF4-FFF2-40B4-BE49-F238E27FC236}">
-                <a16:creationId xmlns:a16="http://schemas.microsoft.com/office/drawing/2014/main" id="{EE8137A3-4246-93DE-6CD1-2D998FA9D854}"/>
+                <a16:creationId xmlns:a16="http://schemas.microsoft.com/office/drawing/2014/main" id="{E4A60EB6-F45F-79A1-784F-9CC460DA15C9}"/>
               </a:ext>
             </a:extLst>
           </p:cNvPr>
@@ -712,7 +712,7 @@
           <a:bodyPr/>
           <a:lstStyle/>
           <a:p>
-            <a:fld id="{6F5FA6D0-F2DA-4B3F-9CB7-1421E199F4A7}" type="slidenum">
+            <a:fld id="{70D174D5-D893-40F9-BB37-9057F6FB5605}" type="slidenum">
               <a:rPr lang="zh-CN" altLang="en-US" smtClean="0"/>
               <a:t>‹#›</a:t>
             </a:fld>
@@ -723,7 +723,7 @@
     </p:spTree>
     <p:extLst>
       <p:ext uri="{BB962C8B-B14F-4D97-AF65-F5344CB8AC3E}">
-        <p14:creationId xmlns:p14="http://schemas.microsoft.com/office/powerpoint/2010/main" val="3566296818"/>
+        <p14:creationId xmlns:p14="http://schemas.microsoft.com/office/powerpoint/2010/main" val="1328804369"/>
       </p:ext>
     </p:extLst>
   </p:cSld>
@@ -755,7 +755,7 @@
           <p:cNvPr id="2" name="标题 1">
             <a:extLst>
               <a:ext uri="{FF2B5EF4-FFF2-40B4-BE49-F238E27FC236}">
-                <a16:creationId xmlns:a16="http://schemas.microsoft.com/office/drawing/2014/main" id="{FFB4199C-AD78-EB51-5B1C-B996A0F793E9}"/>
+                <a16:creationId xmlns:a16="http://schemas.microsoft.com/office/drawing/2014/main" id="{E2F124C8-28DB-8BFC-65E4-5F08BD6EC2F9}"/>
               </a:ext>
             </a:extLst>
           </p:cNvPr>
@@ -783,7 +783,7 @@
           <p:cNvPr id="3" name="内容占位符 2">
             <a:extLst>
               <a:ext uri="{FF2B5EF4-FFF2-40B4-BE49-F238E27FC236}">
-                <a16:creationId xmlns:a16="http://schemas.microsoft.com/office/drawing/2014/main" id="{0DDA7694-96F7-1088-91C4-0CF100ACFD19}"/>
+                <a16:creationId xmlns:a16="http://schemas.microsoft.com/office/drawing/2014/main" id="{9868FC75-3A2F-74F8-DA55-2658A7D85238}"/>
               </a:ext>
             </a:extLst>
           </p:cNvPr>
@@ -840,7 +840,7 @@
           <p:cNvPr id="4" name="日期占位符 3">
             <a:extLst>
               <a:ext uri="{FF2B5EF4-FFF2-40B4-BE49-F238E27FC236}">
-                <a16:creationId xmlns:a16="http://schemas.microsoft.com/office/drawing/2014/main" id="{783776C3-236F-5465-7A19-73633155AA50}"/>
+                <a16:creationId xmlns:a16="http://schemas.microsoft.com/office/drawing/2014/main" id="{F3D0AE05-5314-8980-550D-4A1C18C22EB6}"/>
               </a:ext>
             </a:extLst>
           </p:cNvPr>
@@ -856,7 +856,7 @@
           <a:bodyPr/>
           <a:lstStyle/>
           <a:p>
-            <a:fld id="{A21CAFFE-2DC6-408C-9EFE-2B0120F7F3B4}" type="datetimeFigureOut">
+            <a:fld id="{C6FD0C8A-B932-4E74-B34B-A7361F3E5D33}" type="datetimeFigureOut">
               <a:rPr lang="zh-CN" altLang="en-US" smtClean="0"/>
               <a:t>2024/3/10</a:t>
             </a:fld>
@@ -869,7 +869,7 @@
           <p:cNvPr id="5" name="页脚占位符 4">
             <a:extLst>
               <a:ext uri="{FF2B5EF4-FFF2-40B4-BE49-F238E27FC236}">
-                <a16:creationId xmlns:a16="http://schemas.microsoft.com/office/drawing/2014/main" id="{0E222BD1-E65F-01F9-CC91-E4466991B69D}"/>
+                <a16:creationId xmlns:a16="http://schemas.microsoft.com/office/drawing/2014/main" id="{1C298410-4743-FBC1-E6DD-9DA7757FB138}"/>
               </a:ext>
             </a:extLst>
           </p:cNvPr>
@@ -894,7 +894,7 @@
           <p:cNvPr id="6" name="灯片编号占位符 5">
             <a:extLst>
               <a:ext uri="{FF2B5EF4-FFF2-40B4-BE49-F238E27FC236}">
-                <a16:creationId xmlns:a16="http://schemas.microsoft.com/office/drawing/2014/main" id="{56603039-4D61-8C3B-178D-9FFB97F2CCEB}"/>
+                <a16:creationId xmlns:a16="http://schemas.microsoft.com/office/drawing/2014/main" id="{7CEF08C3-3FFC-2B89-73DD-AFBD715955C3}"/>
               </a:ext>
             </a:extLst>
           </p:cNvPr>
@@ -910,7 +910,7 @@
           <a:bodyPr/>
           <a:lstStyle/>
           <a:p>
-            <a:fld id="{6F5FA6D0-F2DA-4B3F-9CB7-1421E199F4A7}" type="slidenum">
+            <a:fld id="{70D174D5-D893-40F9-BB37-9057F6FB5605}" type="slidenum">
               <a:rPr lang="zh-CN" altLang="en-US" smtClean="0"/>
               <a:t>‹#›</a:t>
             </a:fld>
@@ -921,7 +921,7 @@
     </p:spTree>
     <p:extLst>
       <p:ext uri="{BB962C8B-B14F-4D97-AF65-F5344CB8AC3E}">
-        <p14:creationId xmlns:p14="http://schemas.microsoft.com/office/powerpoint/2010/main" val="2372061343"/>
+        <p14:creationId xmlns:p14="http://schemas.microsoft.com/office/powerpoint/2010/main" val="1707560335"/>
       </p:ext>
     </p:extLst>
   </p:cSld>
@@ -953,7 +953,7 @@
           <p:cNvPr id="2" name="标题 1">
             <a:extLst>
               <a:ext uri="{FF2B5EF4-FFF2-40B4-BE49-F238E27FC236}">
-                <a16:creationId xmlns:a16="http://schemas.microsoft.com/office/drawing/2014/main" id="{222AA22C-03B0-CE00-0153-942C2D34AE77}"/>
+                <a16:creationId xmlns:a16="http://schemas.microsoft.com/office/drawing/2014/main" id="{A5ADB1B7-E83A-AA31-C4AC-A3BAC1CD8BC9}"/>
               </a:ext>
             </a:extLst>
           </p:cNvPr>
@@ -990,7 +990,7 @@
           <p:cNvPr id="3" name="文本占位符 2">
             <a:extLst>
               <a:ext uri="{FF2B5EF4-FFF2-40B4-BE49-F238E27FC236}">
-                <a16:creationId xmlns:a16="http://schemas.microsoft.com/office/drawing/2014/main" id="{100F9092-9E2B-B041-29A6-366B94079F73}"/>
+                <a16:creationId xmlns:a16="http://schemas.microsoft.com/office/drawing/2014/main" id="{60BAF37C-80C3-EBE0-F084-97C59E375B3E}"/>
               </a:ext>
             </a:extLst>
           </p:cNvPr>
@@ -1115,7 +1115,7 @@
           <p:cNvPr id="4" name="日期占位符 3">
             <a:extLst>
               <a:ext uri="{FF2B5EF4-FFF2-40B4-BE49-F238E27FC236}">
-                <a16:creationId xmlns:a16="http://schemas.microsoft.com/office/drawing/2014/main" id="{2A39C662-E5E6-9160-4E8D-95D6B0FD0C35}"/>
+                <a16:creationId xmlns:a16="http://schemas.microsoft.com/office/drawing/2014/main" id="{A54377C0-C9B5-C29C-D0CC-D1FC0596A2AD}"/>
               </a:ext>
             </a:extLst>
           </p:cNvPr>
@@ -1131,7 +1131,7 @@
           <a:bodyPr/>
           <a:lstStyle/>
           <a:p>
-            <a:fld id="{A21CAFFE-2DC6-408C-9EFE-2B0120F7F3B4}" type="datetimeFigureOut">
+            <a:fld id="{C6FD0C8A-B932-4E74-B34B-A7361F3E5D33}" type="datetimeFigureOut">
               <a:rPr lang="zh-CN" altLang="en-US" smtClean="0"/>
               <a:t>2024/3/10</a:t>
             </a:fld>
@@ -1144,7 +1144,7 @@
           <p:cNvPr id="5" name="页脚占位符 4">
             <a:extLst>
               <a:ext uri="{FF2B5EF4-FFF2-40B4-BE49-F238E27FC236}">
-                <a16:creationId xmlns:a16="http://schemas.microsoft.com/office/drawing/2014/main" id="{0A80BC47-02C0-471F-5E89-F306271E0D1B}"/>
+                <a16:creationId xmlns:a16="http://schemas.microsoft.com/office/drawing/2014/main" id="{0B254649-F688-2DC2-E059-2D4784691D75}"/>
               </a:ext>
             </a:extLst>
           </p:cNvPr>
@@ -1169,7 +1169,7 @@
           <p:cNvPr id="6" name="灯片编号占位符 5">
             <a:extLst>
               <a:ext uri="{FF2B5EF4-FFF2-40B4-BE49-F238E27FC236}">
-                <a16:creationId xmlns:a16="http://schemas.microsoft.com/office/drawing/2014/main" id="{BC7B7493-BE00-5218-1EAD-5D80C322B89F}"/>
+                <a16:creationId xmlns:a16="http://schemas.microsoft.com/office/drawing/2014/main" id="{1AC4914C-85B0-E4EF-B151-B27285A141D6}"/>
               </a:ext>
             </a:extLst>
           </p:cNvPr>
@@ -1185,7 +1185,7 @@
           <a:bodyPr/>
           <a:lstStyle/>
           <a:p>
-            <a:fld id="{6F5FA6D0-F2DA-4B3F-9CB7-1421E199F4A7}" type="slidenum">
+            <a:fld id="{70D174D5-D893-40F9-BB37-9057F6FB5605}" type="slidenum">
               <a:rPr lang="zh-CN" altLang="en-US" smtClean="0"/>
               <a:t>‹#›</a:t>
             </a:fld>
@@ -1196,7 +1196,7 @@
     </p:spTree>
     <p:extLst>
       <p:ext uri="{BB962C8B-B14F-4D97-AF65-F5344CB8AC3E}">
-        <p14:creationId xmlns:p14="http://schemas.microsoft.com/office/powerpoint/2010/main" val="291051994"/>
+        <p14:creationId xmlns:p14="http://schemas.microsoft.com/office/powerpoint/2010/main" val="2341727701"/>
       </p:ext>
     </p:extLst>
   </p:cSld>
@@ -1228,7 +1228,7 @@
           <p:cNvPr id="2" name="标题 1">
             <a:extLst>
               <a:ext uri="{FF2B5EF4-FFF2-40B4-BE49-F238E27FC236}">
-                <a16:creationId xmlns:a16="http://schemas.microsoft.com/office/drawing/2014/main" id="{6553FFFF-660B-5B0D-A38F-FBA9633FF550}"/>
+                <a16:creationId xmlns:a16="http://schemas.microsoft.com/office/drawing/2014/main" id="{735D9689-1FAD-7EC9-8844-6678A6667C39}"/>
               </a:ext>
             </a:extLst>
           </p:cNvPr>
@@ -1256,7 +1256,7 @@
           <p:cNvPr id="3" name="内容占位符 2">
             <a:extLst>
               <a:ext uri="{FF2B5EF4-FFF2-40B4-BE49-F238E27FC236}">
-                <a16:creationId xmlns:a16="http://schemas.microsoft.com/office/drawing/2014/main" id="{3CDF1607-5BE1-870B-7D65-2E815F7E3F4F}"/>
+                <a16:creationId xmlns:a16="http://schemas.microsoft.com/office/drawing/2014/main" id="{F92267DF-5498-F65E-E9BC-191835AB7D39}"/>
               </a:ext>
             </a:extLst>
           </p:cNvPr>
@@ -1318,7 +1318,7 @@
           <p:cNvPr id="4" name="内容占位符 3">
             <a:extLst>
               <a:ext uri="{FF2B5EF4-FFF2-40B4-BE49-F238E27FC236}">
-                <a16:creationId xmlns:a16="http://schemas.microsoft.com/office/drawing/2014/main" id="{3B756F30-2DED-1DE7-3341-7E5B90B36E58}"/>
+                <a16:creationId xmlns:a16="http://schemas.microsoft.com/office/drawing/2014/main" id="{149E7F1B-7EB1-E209-2DBB-F923179CE87F}"/>
               </a:ext>
             </a:extLst>
           </p:cNvPr>
@@ -1380,7 +1380,7 @@
           <p:cNvPr id="5" name="日期占位符 4">
             <a:extLst>
               <a:ext uri="{FF2B5EF4-FFF2-40B4-BE49-F238E27FC236}">
-                <a16:creationId xmlns:a16="http://schemas.microsoft.com/office/drawing/2014/main" id="{9720933C-9A36-80D1-EA23-FD3028D53AFE}"/>
+                <a16:creationId xmlns:a16="http://schemas.microsoft.com/office/drawing/2014/main" id="{8CD512C5-5DCC-7F27-7EFF-AE1344F44ADE}"/>
               </a:ext>
             </a:extLst>
           </p:cNvPr>
@@ -1396,7 +1396,7 @@
           <a:bodyPr/>
           <a:lstStyle/>
           <a:p>
-            <a:fld id="{A21CAFFE-2DC6-408C-9EFE-2B0120F7F3B4}" type="datetimeFigureOut">
+            <a:fld id="{C6FD0C8A-B932-4E74-B34B-A7361F3E5D33}" type="datetimeFigureOut">
               <a:rPr lang="zh-CN" altLang="en-US" smtClean="0"/>
               <a:t>2024/3/10</a:t>
             </a:fld>
@@ -1409,7 +1409,7 @@
           <p:cNvPr id="6" name="页脚占位符 5">
             <a:extLst>
               <a:ext uri="{FF2B5EF4-FFF2-40B4-BE49-F238E27FC236}">
-                <a16:creationId xmlns:a16="http://schemas.microsoft.com/office/drawing/2014/main" id="{140900EC-18D8-986A-1CE8-370DFAE9171A}"/>
+                <a16:creationId xmlns:a16="http://schemas.microsoft.com/office/drawing/2014/main" id="{322628EB-6870-E9D0-56FD-A6C164C6A9F2}"/>
               </a:ext>
             </a:extLst>
           </p:cNvPr>
@@ -1434,7 +1434,7 @@
           <p:cNvPr id="7" name="灯片编号占位符 6">
             <a:extLst>
               <a:ext uri="{FF2B5EF4-FFF2-40B4-BE49-F238E27FC236}">
-                <a16:creationId xmlns:a16="http://schemas.microsoft.com/office/drawing/2014/main" id="{FE65BAF8-FA41-15E5-5117-672A92E7286B}"/>
+                <a16:creationId xmlns:a16="http://schemas.microsoft.com/office/drawing/2014/main" id="{808C2C07-A1EF-E1AE-88E4-6F97EE608EC5}"/>
               </a:ext>
             </a:extLst>
           </p:cNvPr>
@@ -1450,7 +1450,7 @@
           <a:bodyPr/>
           <a:lstStyle/>
           <a:p>
-            <a:fld id="{6F5FA6D0-F2DA-4B3F-9CB7-1421E199F4A7}" type="slidenum">
+            <a:fld id="{70D174D5-D893-40F9-BB37-9057F6FB5605}" type="slidenum">
               <a:rPr lang="zh-CN" altLang="en-US" smtClean="0"/>
               <a:t>‹#›</a:t>
             </a:fld>
@@ -1461,7 +1461,7 @@
     </p:spTree>
     <p:extLst>
       <p:ext uri="{BB962C8B-B14F-4D97-AF65-F5344CB8AC3E}">
-        <p14:creationId xmlns:p14="http://schemas.microsoft.com/office/powerpoint/2010/main" val="869984765"/>
+        <p14:creationId xmlns:p14="http://schemas.microsoft.com/office/powerpoint/2010/main" val="997269395"/>
       </p:ext>
     </p:extLst>
   </p:cSld>
@@ -1493,7 +1493,7 @@
           <p:cNvPr id="2" name="标题 1">
             <a:extLst>
               <a:ext uri="{FF2B5EF4-FFF2-40B4-BE49-F238E27FC236}">
-                <a16:creationId xmlns:a16="http://schemas.microsoft.com/office/drawing/2014/main" id="{455E660E-1F42-6598-95CE-E0D4E7C89938}"/>
+                <a16:creationId xmlns:a16="http://schemas.microsoft.com/office/drawing/2014/main" id="{F4D6ABA3-C988-492D-9253-0EC34972C990}"/>
               </a:ext>
             </a:extLst>
           </p:cNvPr>
@@ -1526,7 +1526,7 @@
           <p:cNvPr id="3" name="文本占位符 2">
             <a:extLst>
               <a:ext uri="{FF2B5EF4-FFF2-40B4-BE49-F238E27FC236}">
-                <a16:creationId xmlns:a16="http://schemas.microsoft.com/office/drawing/2014/main" id="{E329E17C-CDE9-CD9E-F427-1D9A442695AC}"/>
+                <a16:creationId xmlns:a16="http://schemas.microsoft.com/office/drawing/2014/main" id="{6E6FFA32-F685-1BF7-A827-6587691B26A1}"/>
               </a:ext>
             </a:extLst>
           </p:cNvPr>
@@ -1597,7 +1597,7 @@
           <p:cNvPr id="4" name="内容占位符 3">
             <a:extLst>
               <a:ext uri="{FF2B5EF4-FFF2-40B4-BE49-F238E27FC236}">
-                <a16:creationId xmlns:a16="http://schemas.microsoft.com/office/drawing/2014/main" id="{07C73489-3D96-8193-CF6D-FA1DAE99420A}"/>
+                <a16:creationId xmlns:a16="http://schemas.microsoft.com/office/drawing/2014/main" id="{75138D87-1DA5-D03B-CA97-DF92F9713C1D}"/>
               </a:ext>
             </a:extLst>
           </p:cNvPr>
@@ -1659,7 +1659,7 @@
           <p:cNvPr id="5" name="文本占位符 4">
             <a:extLst>
               <a:ext uri="{FF2B5EF4-FFF2-40B4-BE49-F238E27FC236}">
-                <a16:creationId xmlns:a16="http://schemas.microsoft.com/office/drawing/2014/main" id="{C1F5E04A-768E-B81F-1474-E589C0847D7F}"/>
+                <a16:creationId xmlns:a16="http://schemas.microsoft.com/office/drawing/2014/main" id="{A68073DA-082E-B780-15EB-BAA804507774}"/>
               </a:ext>
             </a:extLst>
           </p:cNvPr>
@@ -1730,7 +1730,7 @@
           <p:cNvPr id="6" name="内容占位符 5">
             <a:extLst>
               <a:ext uri="{FF2B5EF4-FFF2-40B4-BE49-F238E27FC236}">
-                <a16:creationId xmlns:a16="http://schemas.microsoft.com/office/drawing/2014/main" id="{11B28B62-26F7-BB99-553A-3304A872A353}"/>
+                <a16:creationId xmlns:a16="http://schemas.microsoft.com/office/drawing/2014/main" id="{9839D26E-135E-9546-842F-9E1D0AE555BB}"/>
               </a:ext>
             </a:extLst>
           </p:cNvPr>
@@ -1792,7 +1792,7 @@
           <p:cNvPr id="7" name="日期占位符 6">
             <a:extLst>
               <a:ext uri="{FF2B5EF4-FFF2-40B4-BE49-F238E27FC236}">
-                <a16:creationId xmlns:a16="http://schemas.microsoft.com/office/drawing/2014/main" id="{1A4A16AF-F84A-D5B7-E3E5-F03AB98C8F3F}"/>
+                <a16:creationId xmlns:a16="http://schemas.microsoft.com/office/drawing/2014/main" id="{33891CB5-E928-C214-56AF-22CC2CA110D1}"/>
               </a:ext>
             </a:extLst>
           </p:cNvPr>
@@ -1808,7 +1808,7 @@
           <a:bodyPr/>
           <a:lstStyle/>
           <a:p>
-            <a:fld id="{A21CAFFE-2DC6-408C-9EFE-2B0120F7F3B4}" type="datetimeFigureOut">
+            <a:fld id="{C6FD0C8A-B932-4E74-B34B-A7361F3E5D33}" type="datetimeFigureOut">
               <a:rPr lang="zh-CN" altLang="en-US" smtClean="0"/>
               <a:t>2024/3/10</a:t>
             </a:fld>
@@ -1821,7 +1821,7 @@
           <p:cNvPr id="8" name="页脚占位符 7">
             <a:extLst>
               <a:ext uri="{FF2B5EF4-FFF2-40B4-BE49-F238E27FC236}">
-                <a16:creationId xmlns:a16="http://schemas.microsoft.com/office/drawing/2014/main" id="{CEBC4B71-0836-078F-DFBD-8890DFAD2D92}"/>
+                <a16:creationId xmlns:a16="http://schemas.microsoft.com/office/drawing/2014/main" id="{742765CF-D2C7-41B3-8A1E-F42D2839670F}"/>
               </a:ext>
             </a:extLst>
           </p:cNvPr>
@@ -1846,7 +1846,7 @@
           <p:cNvPr id="9" name="灯片编号占位符 8">
             <a:extLst>
               <a:ext uri="{FF2B5EF4-FFF2-40B4-BE49-F238E27FC236}">
-                <a16:creationId xmlns:a16="http://schemas.microsoft.com/office/drawing/2014/main" id="{5E17C4D7-DDEA-53F6-ED64-AB69D2FA042E}"/>
+                <a16:creationId xmlns:a16="http://schemas.microsoft.com/office/drawing/2014/main" id="{D1810D68-8314-C6FF-90A3-6010806B7D2A}"/>
               </a:ext>
             </a:extLst>
           </p:cNvPr>
@@ -1862,7 +1862,7 @@
           <a:bodyPr/>
           <a:lstStyle/>
           <a:p>
-            <a:fld id="{6F5FA6D0-F2DA-4B3F-9CB7-1421E199F4A7}" type="slidenum">
+            <a:fld id="{70D174D5-D893-40F9-BB37-9057F6FB5605}" type="slidenum">
               <a:rPr lang="zh-CN" altLang="en-US" smtClean="0"/>
               <a:t>‹#›</a:t>
             </a:fld>
@@ -1873,7 +1873,7 @@
     </p:spTree>
     <p:extLst>
       <p:ext uri="{BB962C8B-B14F-4D97-AF65-F5344CB8AC3E}">
-        <p14:creationId xmlns:p14="http://schemas.microsoft.com/office/powerpoint/2010/main" val="2879042544"/>
+        <p14:creationId xmlns:p14="http://schemas.microsoft.com/office/powerpoint/2010/main" val="2826554215"/>
       </p:ext>
     </p:extLst>
   </p:cSld>
@@ -1905,7 +1905,7 @@
           <p:cNvPr id="2" name="标题 1">
             <a:extLst>
               <a:ext uri="{FF2B5EF4-FFF2-40B4-BE49-F238E27FC236}">
-                <a16:creationId xmlns:a16="http://schemas.microsoft.com/office/drawing/2014/main" id="{10C70D3F-BD82-A69F-A077-3060DD637778}"/>
+                <a16:creationId xmlns:a16="http://schemas.microsoft.com/office/drawing/2014/main" id="{CA74392B-33BE-945A-8C11-4B436AC2B424}"/>
               </a:ext>
             </a:extLst>
           </p:cNvPr>
@@ -1933,7 +1933,7 @@
           <p:cNvPr id="3" name="日期占位符 2">
             <a:extLst>
               <a:ext uri="{FF2B5EF4-FFF2-40B4-BE49-F238E27FC236}">
-                <a16:creationId xmlns:a16="http://schemas.microsoft.com/office/drawing/2014/main" id="{6AAED7D8-67A5-79BF-B5B0-AD4B34AE8C1B}"/>
+                <a16:creationId xmlns:a16="http://schemas.microsoft.com/office/drawing/2014/main" id="{481A9061-2DA1-6DB3-9DAF-07FF0A018685}"/>
               </a:ext>
             </a:extLst>
           </p:cNvPr>
@@ -1949,7 +1949,7 @@
           <a:bodyPr/>
           <a:lstStyle/>
           <a:p>
-            <a:fld id="{A21CAFFE-2DC6-408C-9EFE-2B0120F7F3B4}" type="datetimeFigureOut">
+            <a:fld id="{C6FD0C8A-B932-4E74-B34B-A7361F3E5D33}" type="datetimeFigureOut">
               <a:rPr lang="zh-CN" altLang="en-US" smtClean="0"/>
               <a:t>2024/3/10</a:t>
             </a:fld>
@@ -1962,7 +1962,7 @@
           <p:cNvPr id="4" name="页脚占位符 3">
             <a:extLst>
               <a:ext uri="{FF2B5EF4-FFF2-40B4-BE49-F238E27FC236}">
-                <a16:creationId xmlns:a16="http://schemas.microsoft.com/office/drawing/2014/main" id="{8251B657-35CD-68C1-01EC-FDB3AD51783E}"/>
+                <a16:creationId xmlns:a16="http://schemas.microsoft.com/office/drawing/2014/main" id="{7E60F9FD-2DF0-8F95-966E-EF5FD84E21FB}"/>
               </a:ext>
             </a:extLst>
           </p:cNvPr>
@@ -1987,7 +1987,7 @@
           <p:cNvPr id="5" name="灯片编号占位符 4">
             <a:extLst>
               <a:ext uri="{FF2B5EF4-FFF2-40B4-BE49-F238E27FC236}">
-                <a16:creationId xmlns:a16="http://schemas.microsoft.com/office/drawing/2014/main" id="{A1E299C1-B4E1-AF71-2868-2663280B6012}"/>
+                <a16:creationId xmlns:a16="http://schemas.microsoft.com/office/drawing/2014/main" id="{79F9FBBA-C670-7945-749C-3A14B9A0C899}"/>
               </a:ext>
             </a:extLst>
           </p:cNvPr>
@@ -2003,7 +2003,7 @@
           <a:bodyPr/>
           <a:lstStyle/>
           <a:p>
-            <a:fld id="{6F5FA6D0-F2DA-4B3F-9CB7-1421E199F4A7}" type="slidenum">
+            <a:fld id="{70D174D5-D893-40F9-BB37-9057F6FB5605}" type="slidenum">
               <a:rPr lang="zh-CN" altLang="en-US" smtClean="0"/>
               <a:t>‹#›</a:t>
             </a:fld>
@@ -2014,7 +2014,7 @@
     </p:spTree>
     <p:extLst>
       <p:ext uri="{BB962C8B-B14F-4D97-AF65-F5344CB8AC3E}">
-        <p14:creationId xmlns:p14="http://schemas.microsoft.com/office/powerpoint/2010/main" val="2311068691"/>
+        <p14:creationId xmlns:p14="http://schemas.microsoft.com/office/powerpoint/2010/main" val="1347942518"/>
       </p:ext>
     </p:extLst>
   </p:cSld>
@@ -2046,7 +2046,7 @@
           <p:cNvPr id="2" name="日期占位符 1">
             <a:extLst>
               <a:ext uri="{FF2B5EF4-FFF2-40B4-BE49-F238E27FC236}">
-                <a16:creationId xmlns:a16="http://schemas.microsoft.com/office/drawing/2014/main" id="{71AA4F8A-9465-B3A6-3CC3-EA908AD825BE}"/>
+                <a16:creationId xmlns:a16="http://schemas.microsoft.com/office/drawing/2014/main" id="{4BCE4BEF-6E52-DAB2-6140-6E84E6D04BF4}"/>
               </a:ext>
             </a:extLst>
           </p:cNvPr>
@@ -2062,7 +2062,7 @@
           <a:bodyPr/>
           <a:lstStyle/>
           <a:p>
-            <a:fld id="{A21CAFFE-2DC6-408C-9EFE-2B0120F7F3B4}" type="datetimeFigureOut">
+            <a:fld id="{C6FD0C8A-B932-4E74-B34B-A7361F3E5D33}" type="datetimeFigureOut">
               <a:rPr lang="zh-CN" altLang="en-US" smtClean="0"/>
               <a:t>2024/3/10</a:t>
             </a:fld>
@@ -2075,7 +2075,7 @@
           <p:cNvPr id="3" name="页脚占位符 2">
             <a:extLst>
               <a:ext uri="{FF2B5EF4-FFF2-40B4-BE49-F238E27FC236}">
-                <a16:creationId xmlns:a16="http://schemas.microsoft.com/office/drawing/2014/main" id="{F68A73AA-0716-5C65-4CA8-9E3A9629004A}"/>
+                <a16:creationId xmlns:a16="http://schemas.microsoft.com/office/drawing/2014/main" id="{9C0E56DE-D625-19E7-962F-DE2141ADC198}"/>
               </a:ext>
             </a:extLst>
           </p:cNvPr>
@@ -2100,7 +2100,7 @@
           <p:cNvPr id="4" name="灯片编号占位符 3">
             <a:extLst>
               <a:ext uri="{FF2B5EF4-FFF2-40B4-BE49-F238E27FC236}">
-                <a16:creationId xmlns:a16="http://schemas.microsoft.com/office/drawing/2014/main" id="{32AB09F1-C27A-3D33-2881-6915746FA0BC}"/>
+                <a16:creationId xmlns:a16="http://schemas.microsoft.com/office/drawing/2014/main" id="{C0360567-9F6A-6921-3BEB-2D6FF3281EC6}"/>
               </a:ext>
             </a:extLst>
           </p:cNvPr>
@@ -2116,7 +2116,7 @@
           <a:bodyPr/>
           <a:lstStyle/>
           <a:p>
-            <a:fld id="{6F5FA6D0-F2DA-4B3F-9CB7-1421E199F4A7}" type="slidenum">
+            <a:fld id="{70D174D5-D893-40F9-BB37-9057F6FB5605}" type="slidenum">
               <a:rPr lang="zh-CN" altLang="en-US" smtClean="0"/>
               <a:t>‹#›</a:t>
             </a:fld>
@@ -2127,7 +2127,7 @@
     </p:spTree>
     <p:extLst>
       <p:ext uri="{BB962C8B-B14F-4D97-AF65-F5344CB8AC3E}">
-        <p14:creationId xmlns:p14="http://schemas.microsoft.com/office/powerpoint/2010/main" val="1967041912"/>
+        <p14:creationId xmlns:p14="http://schemas.microsoft.com/office/powerpoint/2010/main" val="4175630659"/>
       </p:ext>
     </p:extLst>
   </p:cSld>
@@ -2159,7 +2159,7 @@
           <p:cNvPr id="2" name="标题 1">
             <a:extLst>
               <a:ext uri="{FF2B5EF4-FFF2-40B4-BE49-F238E27FC236}">
-                <a16:creationId xmlns:a16="http://schemas.microsoft.com/office/drawing/2014/main" id="{58611F00-371E-4067-33EB-87EF1EB1A1E1}"/>
+                <a16:creationId xmlns:a16="http://schemas.microsoft.com/office/drawing/2014/main" id="{F141F6BE-6394-370A-A833-4478F81DCEEC}"/>
               </a:ext>
             </a:extLst>
           </p:cNvPr>
@@ -2196,7 +2196,7 @@
           <p:cNvPr id="3" name="内容占位符 2">
             <a:extLst>
               <a:ext uri="{FF2B5EF4-FFF2-40B4-BE49-F238E27FC236}">
-                <a16:creationId xmlns:a16="http://schemas.microsoft.com/office/drawing/2014/main" id="{D4FC281F-87BA-DACC-1BE6-D9C72F33B126}"/>
+                <a16:creationId xmlns:a16="http://schemas.microsoft.com/office/drawing/2014/main" id="{3C514A5A-7DBE-7B78-B782-A5C84DCB8A66}"/>
               </a:ext>
             </a:extLst>
           </p:cNvPr>
@@ -2286,7 +2286,7 @@
           <p:cNvPr id="4" name="文本占位符 3">
             <a:extLst>
               <a:ext uri="{FF2B5EF4-FFF2-40B4-BE49-F238E27FC236}">
-                <a16:creationId xmlns:a16="http://schemas.microsoft.com/office/drawing/2014/main" id="{8E9F5515-9EDD-A7D8-FCCF-20542C456D2B}"/>
+                <a16:creationId xmlns:a16="http://schemas.microsoft.com/office/drawing/2014/main" id="{F5D0E185-BEAA-1E6B-9830-3DEF8C2D5BB5}"/>
               </a:ext>
             </a:extLst>
           </p:cNvPr>
@@ -2357,7 +2357,7 @@
           <p:cNvPr id="5" name="日期占位符 4">
             <a:extLst>
               <a:ext uri="{FF2B5EF4-FFF2-40B4-BE49-F238E27FC236}">
-                <a16:creationId xmlns:a16="http://schemas.microsoft.com/office/drawing/2014/main" id="{7C196B92-7CD6-FFBB-B27A-F8E68D19DBD0}"/>
+                <a16:creationId xmlns:a16="http://schemas.microsoft.com/office/drawing/2014/main" id="{7C676C97-39B2-FE4A-A77B-3E7ED9D72D77}"/>
               </a:ext>
             </a:extLst>
           </p:cNvPr>
@@ -2373,7 +2373,7 @@
           <a:bodyPr/>
           <a:lstStyle/>
           <a:p>
-            <a:fld id="{A21CAFFE-2DC6-408C-9EFE-2B0120F7F3B4}" type="datetimeFigureOut">
+            <a:fld id="{C6FD0C8A-B932-4E74-B34B-A7361F3E5D33}" type="datetimeFigureOut">
               <a:rPr lang="zh-CN" altLang="en-US" smtClean="0"/>
               <a:t>2024/3/10</a:t>
             </a:fld>
@@ -2386,7 +2386,7 @@
           <p:cNvPr id="6" name="页脚占位符 5">
             <a:extLst>
               <a:ext uri="{FF2B5EF4-FFF2-40B4-BE49-F238E27FC236}">
-                <a16:creationId xmlns:a16="http://schemas.microsoft.com/office/drawing/2014/main" id="{9D0FC124-2221-69BF-BDE9-5D96DC732130}"/>
+                <a16:creationId xmlns:a16="http://schemas.microsoft.com/office/drawing/2014/main" id="{A2917F33-83D8-2F0F-5563-6841150FCAAE}"/>
               </a:ext>
             </a:extLst>
           </p:cNvPr>
@@ -2411,7 +2411,7 @@
           <p:cNvPr id="7" name="灯片编号占位符 6">
             <a:extLst>
               <a:ext uri="{FF2B5EF4-FFF2-40B4-BE49-F238E27FC236}">
-                <a16:creationId xmlns:a16="http://schemas.microsoft.com/office/drawing/2014/main" id="{9F59BE68-90BD-E372-FC71-0E15D082A2A6}"/>
+                <a16:creationId xmlns:a16="http://schemas.microsoft.com/office/drawing/2014/main" id="{9C74C3E0-AD69-BD4B-FF7B-AC088CF92750}"/>
               </a:ext>
             </a:extLst>
           </p:cNvPr>
@@ -2427,7 +2427,7 @@
           <a:bodyPr/>
           <a:lstStyle/>
           <a:p>
-            <a:fld id="{6F5FA6D0-F2DA-4B3F-9CB7-1421E199F4A7}" type="slidenum">
+            <a:fld id="{70D174D5-D893-40F9-BB37-9057F6FB5605}" type="slidenum">
               <a:rPr lang="zh-CN" altLang="en-US" smtClean="0"/>
               <a:t>‹#›</a:t>
             </a:fld>
@@ -2438,7 +2438,7 @@
     </p:spTree>
     <p:extLst>
       <p:ext uri="{BB962C8B-B14F-4D97-AF65-F5344CB8AC3E}">
-        <p14:creationId xmlns:p14="http://schemas.microsoft.com/office/powerpoint/2010/main" val="2017206167"/>
+        <p14:creationId xmlns:p14="http://schemas.microsoft.com/office/powerpoint/2010/main" val="2964622290"/>
       </p:ext>
     </p:extLst>
   </p:cSld>
@@ -2470,7 +2470,7 @@
           <p:cNvPr id="2" name="标题 1">
             <a:extLst>
               <a:ext uri="{FF2B5EF4-FFF2-40B4-BE49-F238E27FC236}">
-                <a16:creationId xmlns:a16="http://schemas.microsoft.com/office/drawing/2014/main" id="{6CD0E93B-7CF5-7860-728A-E916AFBD03FF}"/>
+                <a16:creationId xmlns:a16="http://schemas.microsoft.com/office/drawing/2014/main" id="{675A7404-55D9-8E46-43C2-788CE807980E}"/>
               </a:ext>
             </a:extLst>
           </p:cNvPr>
@@ -2507,7 +2507,7 @@
           <p:cNvPr id="3" name="图片占位符 2">
             <a:extLst>
               <a:ext uri="{FF2B5EF4-FFF2-40B4-BE49-F238E27FC236}">
-                <a16:creationId xmlns:a16="http://schemas.microsoft.com/office/drawing/2014/main" id="{1B978240-8728-7371-F0AB-3155EE52019B}"/>
+                <a16:creationId xmlns:a16="http://schemas.microsoft.com/office/drawing/2014/main" id="{3D03BB06-D5C2-6849-571B-F7DA9E053B68}"/>
               </a:ext>
             </a:extLst>
           </p:cNvPr>
@@ -2574,7 +2574,7 @@
           <p:cNvPr id="4" name="文本占位符 3">
             <a:extLst>
               <a:ext uri="{FF2B5EF4-FFF2-40B4-BE49-F238E27FC236}">
-                <a16:creationId xmlns:a16="http://schemas.microsoft.com/office/drawing/2014/main" id="{03462FC8-5A39-8871-EA58-19B612415DA9}"/>
+                <a16:creationId xmlns:a16="http://schemas.microsoft.com/office/drawing/2014/main" id="{AAB9D590-C7E6-DBA6-43C9-E4E0BC8A6C3C}"/>
               </a:ext>
             </a:extLst>
           </p:cNvPr>
@@ -2645,7 +2645,7 @@
           <p:cNvPr id="5" name="日期占位符 4">
             <a:extLst>
               <a:ext uri="{FF2B5EF4-FFF2-40B4-BE49-F238E27FC236}">
-                <a16:creationId xmlns:a16="http://schemas.microsoft.com/office/drawing/2014/main" id="{95A9901D-ACCD-2607-B562-5E5554C4D6D6}"/>
+                <a16:creationId xmlns:a16="http://schemas.microsoft.com/office/drawing/2014/main" id="{D89C3DA4-E024-68FF-7AD7-AD60B8A020D0}"/>
               </a:ext>
             </a:extLst>
           </p:cNvPr>
@@ -2661,7 +2661,7 @@
           <a:bodyPr/>
           <a:lstStyle/>
           <a:p>
-            <a:fld id="{A21CAFFE-2DC6-408C-9EFE-2B0120F7F3B4}" type="datetimeFigureOut">
+            <a:fld id="{C6FD0C8A-B932-4E74-B34B-A7361F3E5D33}" type="datetimeFigureOut">
               <a:rPr lang="zh-CN" altLang="en-US" smtClean="0"/>
               <a:t>2024/3/10</a:t>
             </a:fld>
@@ -2674,7 +2674,7 @@
           <p:cNvPr id="6" name="页脚占位符 5">
             <a:extLst>
               <a:ext uri="{FF2B5EF4-FFF2-40B4-BE49-F238E27FC236}">
-                <a16:creationId xmlns:a16="http://schemas.microsoft.com/office/drawing/2014/main" id="{FBCCE231-7EE1-E226-74D9-0C2002FBF07A}"/>
+                <a16:creationId xmlns:a16="http://schemas.microsoft.com/office/drawing/2014/main" id="{DD979A8F-0CC0-D7C8-D722-B32C2D188AE5}"/>
               </a:ext>
             </a:extLst>
           </p:cNvPr>
@@ -2699,7 +2699,7 @@
           <p:cNvPr id="7" name="灯片编号占位符 6">
             <a:extLst>
               <a:ext uri="{FF2B5EF4-FFF2-40B4-BE49-F238E27FC236}">
-                <a16:creationId xmlns:a16="http://schemas.microsoft.com/office/drawing/2014/main" id="{339E0F07-7029-EC6E-CEBB-730F5183D3FA}"/>
+                <a16:creationId xmlns:a16="http://schemas.microsoft.com/office/drawing/2014/main" id="{D3E957B7-0355-A2FB-FA6B-DAB13BB1EB89}"/>
               </a:ext>
             </a:extLst>
           </p:cNvPr>
@@ -2715,7 +2715,7 @@
           <a:bodyPr/>
           <a:lstStyle/>
           <a:p>
-            <a:fld id="{6F5FA6D0-F2DA-4B3F-9CB7-1421E199F4A7}" type="slidenum">
+            <a:fld id="{70D174D5-D893-40F9-BB37-9057F6FB5605}" type="slidenum">
               <a:rPr lang="zh-CN" altLang="en-US" smtClean="0"/>
               <a:t>‹#›</a:t>
             </a:fld>
@@ -2726,7 +2726,7 @@
     </p:spTree>
     <p:extLst>
       <p:ext uri="{BB962C8B-B14F-4D97-AF65-F5344CB8AC3E}">
-        <p14:creationId xmlns:p14="http://schemas.microsoft.com/office/powerpoint/2010/main" val="4099696702"/>
+        <p14:creationId xmlns:p14="http://schemas.microsoft.com/office/powerpoint/2010/main" val="2037931667"/>
       </p:ext>
     </p:extLst>
   </p:cSld>
@@ -2763,7 +2763,7 @@
           <p:cNvPr id="2" name="标题占位符 1">
             <a:extLst>
               <a:ext uri="{FF2B5EF4-FFF2-40B4-BE49-F238E27FC236}">
-                <a16:creationId xmlns:a16="http://schemas.microsoft.com/office/drawing/2014/main" id="{C39A6210-37FB-C01E-08EE-E7E1F06CCDB1}"/>
+                <a16:creationId xmlns:a16="http://schemas.microsoft.com/office/drawing/2014/main" id="{CD189A4E-FD52-6184-C92A-79041CACB9D6}"/>
               </a:ext>
             </a:extLst>
           </p:cNvPr>
@@ -2801,7 +2801,7 @@
           <p:cNvPr id="3" name="文本占位符 2">
             <a:extLst>
               <a:ext uri="{FF2B5EF4-FFF2-40B4-BE49-F238E27FC236}">
-                <a16:creationId xmlns:a16="http://schemas.microsoft.com/office/drawing/2014/main" id="{C836C137-C23F-374D-698F-247D045B3C48}"/>
+                <a16:creationId xmlns:a16="http://schemas.microsoft.com/office/drawing/2014/main" id="{F93566F1-BADC-3A12-16D0-547651BEE90C}"/>
               </a:ext>
             </a:extLst>
           </p:cNvPr>
@@ -2868,7 +2868,7 @@
           <p:cNvPr id="4" name="日期占位符 3">
             <a:extLst>
               <a:ext uri="{FF2B5EF4-FFF2-40B4-BE49-F238E27FC236}">
-                <a16:creationId xmlns:a16="http://schemas.microsoft.com/office/drawing/2014/main" id="{BFDFCD4B-FB11-F1C0-4BFD-80DB66824352}"/>
+                <a16:creationId xmlns:a16="http://schemas.microsoft.com/office/drawing/2014/main" id="{31C8B233-51CA-E021-0243-4643BA072305}"/>
               </a:ext>
             </a:extLst>
           </p:cNvPr>
@@ -2902,7 +2902,7 @@
             </a:lvl1pPr>
           </a:lstStyle>
           <a:p>
-            <a:fld id="{A21CAFFE-2DC6-408C-9EFE-2B0120F7F3B4}" type="datetimeFigureOut">
+            <a:fld id="{C6FD0C8A-B932-4E74-B34B-A7361F3E5D33}" type="datetimeFigureOut">
               <a:rPr lang="zh-CN" altLang="en-US" smtClean="0"/>
               <a:t>2024/3/10</a:t>
             </a:fld>
@@ -2915,7 +2915,7 @@
           <p:cNvPr id="5" name="页脚占位符 4">
             <a:extLst>
               <a:ext uri="{FF2B5EF4-FFF2-40B4-BE49-F238E27FC236}">
-                <a16:creationId xmlns:a16="http://schemas.microsoft.com/office/drawing/2014/main" id="{1448BAB3-B18C-2D4A-7367-20DF2CBA6A0A}"/>
+                <a16:creationId xmlns:a16="http://schemas.microsoft.com/office/drawing/2014/main" id="{D157349A-16F9-E7F3-9256-342A1C0A839E}"/>
               </a:ext>
             </a:extLst>
           </p:cNvPr>
@@ -2958,7 +2958,7 @@
           <p:cNvPr id="6" name="灯片编号占位符 5">
             <a:extLst>
               <a:ext uri="{FF2B5EF4-FFF2-40B4-BE49-F238E27FC236}">
-                <a16:creationId xmlns:a16="http://schemas.microsoft.com/office/drawing/2014/main" id="{5F3E45AF-F278-93A9-C8FD-C6BB1C6CA328}"/>
+                <a16:creationId xmlns:a16="http://schemas.microsoft.com/office/drawing/2014/main" id="{63333DF6-C217-94A0-6241-29B7E5BD5273}"/>
               </a:ext>
             </a:extLst>
           </p:cNvPr>
@@ -2992,7 +2992,7 @@
             </a:lvl1pPr>
           </a:lstStyle>
           <a:p>
-            <a:fld id="{6F5FA6D0-F2DA-4B3F-9CB7-1421E199F4A7}" type="slidenum">
+            <a:fld id="{70D174D5-D893-40F9-BB37-9057F6FB5605}" type="slidenum">
               <a:rPr lang="zh-CN" altLang="en-US" smtClean="0"/>
               <a:t>‹#›</a:t>
             </a:fld>
@@ -3003,7 +3003,7 @@
     </p:spTree>
     <p:extLst>
       <p:ext uri="{BB962C8B-B14F-4D97-AF65-F5344CB8AC3E}">
-        <p14:creationId xmlns:p14="http://schemas.microsoft.com/office/powerpoint/2010/main" val="3309715676"/>
+        <p14:creationId xmlns:p14="http://schemas.microsoft.com/office/powerpoint/2010/main" val="1092349976"/>
       </p:ext>
     </p:extLst>
   </p:cSld>
